--- a/Workshop Outputs/Nicholas Chai/Mastering Powerpoint.pptx
+++ b/Workshop Outputs/Nicholas Chai/Mastering Powerpoint.pptx
@@ -5,14 +5,13 @@
     <p:sldMasterId id="2147483648" r:id="rId1"/>
   </p:sldMasterIdLst>
   <p:notesMasterIdLst>
-    <p:notesMasterId r:id="rId9"/>
+    <p:notesMasterId r:id="rId8"/>
   </p:notesMasterIdLst>
   <p:sldIdLst>
     <p:sldId id="256" r:id="rId4"/>
     <p:sldId id="257" r:id="rId5"/>
     <p:sldId id="258" r:id="rId6"/>
     <p:sldId id="259" r:id="rId7"/>
-    <p:sldId id="260" r:id="rId8"/>
   </p:sldIdLst>
   <p:sldSz cx="12192000" cy="6858000"/>
   <p:notesSz cx="6858000" cy="9144000"/>
@@ -743,88 +742,6 @@
 </file>
 
 <file path=ppt/notesSlides/notesSlide4.xml><?xml version="1.0" encoding="utf-8"?>
-<p:notes xmlns:a="http://schemas.openxmlformats.org/drawingml/2006/main" xmlns:r="http://schemas.openxmlformats.org/officeDocument/2006/relationships" xmlns:p="http://schemas.openxmlformats.org/presentationml/2006/main" xmlns:m="http://schemas.openxmlformats.org/officeDocument/2006/math" xmlns:w="http://schemas.openxmlformats.org/wordprocessingml/2006/main">
-  <p:cSld name="">
-    <p:spTree>
-      <p:nvGrpSpPr>
-        <p:cNvPr id="1" name=""/>
-        <p:cNvGrpSpPr/>
-        <p:nvPr/>
-      </p:nvGrpSpPr>
-      <p:grpSpPr bwMode="auto">
-        <a:xfrm>
-          <a:off x="0" y="0"/>
-          <a:ext cx="0" cy="0"/>
-          <a:chOff x="0" y="0"/>
-          <a:chExt cx="0" cy="0"/>
-        </a:xfrm>
-      </p:grpSpPr>
-      <p:sp>
-        <p:nvSpPr>
-          <p:cNvPr id="1252905775" name="Slide Image Placeholder 1"/>
-          <p:cNvSpPr>
-            <a:spLocks noChangeAspect="1" noGrp="1" noRot="1"/>
-          </p:cNvSpPr>
-          <p:nvPr>
-            <p:ph type="sldImg"/>
-          </p:nvPr>
-        </p:nvSpPr>
-        <p:spPr bwMode="auto"/>
-      </p:sp>
-      <p:sp>
-        <p:nvSpPr>
-          <p:cNvPr id="478542257" name="Notes Placeholder 2"/>
-          <p:cNvSpPr>
-            <a:spLocks noGrp="1"/>
-          </p:cNvSpPr>
-          <p:nvPr>
-            <p:ph type="body" idx="1"/>
-          </p:nvPr>
-        </p:nvSpPr>
-        <p:spPr bwMode="auto"/>
-        <p:txBody>
-          <a:bodyPr/>
-          <a:lstStyle/>
-          <a:p>
-            <a:pPr>
-              <a:defRPr/>
-            </a:pPr>
-            <a:endParaRPr/>
-          </a:p>
-        </p:txBody>
-      </p:sp>
-      <p:sp>
-        <p:nvSpPr>
-          <p:cNvPr id="477582908" name="Slide Number Placeholder 3"/>
-          <p:cNvSpPr>
-            <a:spLocks noGrp="1"/>
-          </p:cNvSpPr>
-          <p:nvPr>
-            <p:ph type="sldNum" sz="quarter" idx="10"/>
-          </p:nvPr>
-        </p:nvSpPr>
-        <p:spPr bwMode="auto"/>
-        <p:txBody>
-          <a:bodyPr/>
-          <a:lstStyle/>
-          <a:p>
-            <a:pPr>
-              <a:defRPr/>
-            </a:pPr>
-            <a:fld id="{115A5F88-49D6-7BBC-5845-A6683713D2E7}" type="slidenum">
-              <a:rPr/>
-              <a:t/>
-            </a:fld>
-            <a:endParaRPr/>
-          </a:p>
-        </p:txBody>
-      </p:sp>
-    </p:spTree>
-  </p:cSld>
-</p:notes>
-</file>
-
-<file path=ppt/notesSlides/notesSlide5.xml><?xml version="1.0" encoding="utf-8"?>
 <p:notes xmlns:a="http://schemas.openxmlformats.org/drawingml/2006/main" xmlns:r="http://schemas.openxmlformats.org/officeDocument/2006/relationships" xmlns:p="http://schemas.openxmlformats.org/presentationml/2006/main" xmlns:m="http://schemas.openxmlformats.org/officeDocument/2006/math" xmlns:w="http://schemas.openxmlformats.org/wordprocessingml/2006/main">
   <p:cSld name="">
     <p:spTree>
@@ -4675,398 +4592,6 @@
 </file>
 
 <file path=ppt/slides/slide4.xml><?xml version="1.0" encoding="utf-8"?>
-<p:sld xmlns:a="http://schemas.openxmlformats.org/drawingml/2006/main" xmlns:r="http://schemas.openxmlformats.org/officeDocument/2006/relationships" xmlns:p="http://schemas.openxmlformats.org/presentationml/2006/main" xmlns:m="http://schemas.openxmlformats.org/officeDocument/2006/math" xmlns:w="http://schemas.openxmlformats.org/wordprocessingml/2006/main" showMasterPhAnim="0" show="1">
-  <p:cSld name="">
-    <p:spTree>
-      <p:nvGrpSpPr>
-        <p:cNvPr id="1" name=""/>
-        <p:cNvGrpSpPr/>
-        <p:nvPr/>
-      </p:nvGrpSpPr>
-      <p:grpSpPr bwMode="auto">
-        <a:xfrm>
-          <a:off x="0" y="0"/>
-          <a:ext cx="0" cy="0"/>
-          <a:chOff x="0" y="0"/>
-          <a:chExt cx="0" cy="0"/>
-        </a:xfrm>
-      </p:grpSpPr>
-      <p:sp>
-        <p:nvSpPr>
-          <p:cNvPr id="2013441890" name=""/>
-          <p:cNvSpPr txBox="1"/>
-          <p:nvPr/>
-        </p:nvSpPr>
-        <p:spPr bwMode="auto">
-          <a:xfrm flipH="0" flipV="0">
-            <a:off x="1273497" y="126999"/>
-            <a:ext cx="9606138" cy="823318"/>
-          </a:xfrm>
-          <a:prstGeom prst="rect">
-            <a:avLst/>
-          </a:prstGeom>
-          <a:noFill/>
-        </p:spPr>
-        <p:txBody>
-          <a:bodyPr vertOverflow="overflow" horzOverflow="overflow" vert="horz" wrap="square" lIns="91440" tIns="45720" rIns="91440" bIns="45720" numCol="1" spcCol="0" rtlCol="0" fromWordArt="0" anchor="t" anchorCtr="0" forceAA="0" upright="0" compatLnSpc="0">
-            <a:spAutoFit/>
-          </a:bodyPr>
-          <a:p>
-            <a:pPr algn="ctr">
-              <a:defRPr/>
-            </a:pPr>
-            <a:r>
-              <a:rPr sz="4800">
-                <a:solidFill>
-                  <a:srgbClr val="255244"/>
-                </a:solidFill>
-                <a:latin typeface="Open Sans Extrabold"/>
-                <a:ea typeface="Open Sans Extrabold"/>
-                <a:cs typeface="Open Sans Extrabold"/>
-              </a:rPr>
-              <a:t>Fonts</a:t>
-            </a:r>
-            <a:endParaRPr sz="4800">
-              <a:solidFill>
-                <a:srgbClr val="255244"/>
-              </a:solidFill>
-              <a:latin typeface="Open Sans Extrabold"/>
-              <a:cs typeface="Open Sans Extrabold"/>
-            </a:endParaRPr>
-          </a:p>
-        </p:txBody>
-      </p:sp>
-      <p:sp>
-        <p:nvSpPr>
-          <p:cNvPr id="718674289" name=""/>
-          <p:cNvSpPr txBox="1"/>
-          <p:nvPr/>
-        </p:nvSpPr>
-        <p:spPr bwMode="auto">
-          <a:xfrm flipH="0" flipV="0">
-            <a:off x="897898" y="1269999"/>
-            <a:ext cx="5932570" cy="640440"/>
-          </a:xfrm>
-          <a:prstGeom prst="rect">
-            <a:avLst/>
-          </a:prstGeom>
-          <a:gradFill>
-            <a:gsLst>
-              <a:gs pos="0">
-                <a:srgbClr val="B2F7E1"/>
-              </a:gs>
-              <a:gs pos="100000">
-                <a:srgbClr val="459591"/>
-              </a:gs>
-            </a:gsLst>
-            <a:lin ang="0" scaled="1"/>
-          </a:gradFill>
-        </p:spPr>
-        <p:txBody>
-          <a:bodyPr vertOverflow="overflow" horzOverflow="overflow" vert="horz" wrap="square" lIns="91440" tIns="45720" rIns="91440" bIns="45720" numCol="1" spcCol="0" rtlCol="0" fromWordArt="0" anchor="t" anchorCtr="0" forceAA="0" upright="0" compatLnSpc="0">
-            <a:spAutoFit/>
-          </a:bodyPr>
-          <a:p>
-            <a:pPr>
-              <a:defRPr/>
-            </a:pPr>
-            <a:r>
-              <a:rPr sz="3600">
-                <a:solidFill>
-                  <a:srgbClr val="27233A"/>
-                </a:solidFill>
-                <a:latin typeface="Open Sans"/>
-                <a:ea typeface="Open Sans"/>
-                <a:cs typeface="Open Sans"/>
-              </a:rPr>
-              <a:t>Designing Fonts for Impact</a:t>
-            </a:r>
-            <a:endParaRPr sz="3600">
-              <a:solidFill>
-                <a:srgbClr val="27233A"/>
-              </a:solidFill>
-              <a:latin typeface="Open Sans"/>
-              <a:cs typeface="Open Sans"/>
-            </a:endParaRPr>
-          </a:p>
-        </p:txBody>
-      </p:sp>
-      <p:sp>
-        <p:nvSpPr>
-          <p:cNvPr id="531780796" name=""/>
-          <p:cNvSpPr txBox="1"/>
-          <p:nvPr/>
-        </p:nvSpPr>
-        <p:spPr bwMode="auto">
-          <a:xfrm flipH="0" flipV="0">
-            <a:off x="897898" y="2135187"/>
-            <a:ext cx="10070834" cy="640440"/>
-          </a:xfrm>
-          <a:prstGeom prst="rect">
-            <a:avLst/>
-          </a:prstGeom>
-          <a:noFill/>
-        </p:spPr>
-        <p:txBody>
-          <a:bodyPr vertOverflow="overflow" horzOverflow="overflow" vert="horz" wrap="square" lIns="91440" tIns="45720" rIns="91440" bIns="45720" numCol="1" spcCol="0" rtlCol="0" fromWordArt="0" anchor="t" anchorCtr="0" forceAA="0" upright="0" compatLnSpc="0">
-            <a:spAutoFit/>
-          </a:bodyPr>
-          <a:p>
-            <a:pPr>
-              <a:defRPr/>
-            </a:pPr>
-            <a:r>
-              <a:rPr sz="3600">
-                <a:ln w="19049">
-                  <a:solidFill>
-                    <a:srgbClr val="459591"/>
-                  </a:solidFill>
-                  <a:prstDash val="solid"/>
-                </a:ln>
-                <a:noFill/>
-                <a:latin typeface="Open Sans"/>
-                <a:ea typeface="Open Sans"/>
-                <a:cs typeface="Open Sans"/>
-              </a:rPr>
-              <a:t>DESIGNING FONTS FOR </a:t>
-            </a:r>
-            <a:r>
-              <a:rPr sz="3600">
-                <a:ln w="19049">
-                  <a:solidFill>
-                    <a:srgbClr val="459591"/>
-                  </a:solidFill>
-                  <a:prstDash val="solid"/>
-                </a:ln>
-                <a:noFill/>
-                <a:latin typeface="Open Sans"/>
-                <a:ea typeface="Open Sans"/>
-                <a:cs typeface="Open Sans"/>
-              </a:rPr>
-              <a:t>IMPACT</a:t>
-            </a:r>
-            <a:endParaRPr sz="3600">
-              <a:ln w="19049">
-                <a:solidFill>
-                  <a:srgbClr val="459591"/>
-                </a:solidFill>
-                <a:prstDash val="solid"/>
-              </a:ln>
-              <a:noFill/>
-              <a:latin typeface="Open Sans"/>
-              <a:cs typeface="Open Sans"/>
-            </a:endParaRPr>
-          </a:p>
-        </p:txBody>
-      </p:sp>
-      <p:sp>
-        <p:nvSpPr>
-          <p:cNvPr id="877576015" name=""/>
-          <p:cNvSpPr txBox="1"/>
-          <p:nvPr/>
-        </p:nvSpPr>
-        <p:spPr bwMode="auto">
-          <a:xfrm flipH="0" flipV="0">
-            <a:off x="897898" y="3000375"/>
-            <a:ext cx="10071194" cy="640440"/>
-          </a:xfrm>
-          <a:prstGeom prst="rect">
-            <a:avLst/>
-          </a:prstGeom>
-          <a:noFill/>
-        </p:spPr>
-        <p:txBody>
-          <a:bodyPr vertOverflow="overflow" horzOverflow="overflow" vert="horz" wrap="square" lIns="91440" tIns="45720" rIns="91440" bIns="45720" numCol="1" spcCol="0" rtlCol="0" fromWordArt="0" anchor="t" anchorCtr="0" forceAA="0" upright="0" compatLnSpc="0">
-            <a:spAutoFit/>
-          </a:bodyPr>
-          <a:p>
-            <a:pPr algn="l">
-              <a:defRPr/>
-            </a:pPr>
-            <a:r>
-              <a:rPr sz="3600" spc="282">
-                <a:ln>
-                  <a:noFill/>
-                </a:ln>
-                <a:gradFill>
-                  <a:gsLst>
-                    <a:gs pos="0">
-                      <a:srgbClr val="B2F7E1"/>
-                    </a:gs>
-                    <a:gs pos="100000">
-                      <a:srgbClr val="459591"/>
-                    </a:gs>
-                  </a:gsLst>
-                  <a:lin ang="0" scaled="1"/>
-                </a:gradFill>
-                <a:latin typeface="Open Sans Extrabold"/>
-                <a:ea typeface="Open Sans Extrabold"/>
-                <a:cs typeface="Open Sans Extrabold"/>
-              </a:rPr>
-              <a:t>DESIGNING FONTS FOR IMPACT</a:t>
-            </a:r>
-            <a:endParaRPr sz="3600" spc="282">
-              <a:ln>
-                <a:noFill/>
-              </a:ln>
-              <a:gradFill>
-                <a:gsLst>
-                  <a:gs pos="0">
-                    <a:srgbClr val="B2F7E1"/>
-                  </a:gs>
-                  <a:gs pos="100000">
-                    <a:srgbClr val="459591"/>
-                  </a:gs>
-                </a:gsLst>
-                <a:lin ang="0" scaled="1"/>
-              </a:gradFill>
-              <a:latin typeface="Open Sans Extrabold"/>
-              <a:cs typeface="Open Sans Extrabold"/>
-            </a:endParaRPr>
-          </a:p>
-        </p:txBody>
-      </p:sp>
-      <p:sp>
-        <p:nvSpPr>
-          <p:cNvPr id="1936089997" name=""/>
-          <p:cNvSpPr txBox="1"/>
-          <p:nvPr/>
-        </p:nvSpPr>
-        <p:spPr bwMode="auto">
-          <a:xfrm flipH="0" flipV="0">
-            <a:off x="897898" y="3865561"/>
-            <a:ext cx="10074794" cy="640440"/>
-          </a:xfrm>
-          <a:prstGeom prst="rect">
-            <a:avLst/>
-          </a:prstGeom>
-          <a:noFill/>
-        </p:spPr>
-        <p:txBody>
-          <a:bodyPr vertOverflow="overflow" horzOverflow="overflow" vert="horz" wrap="square" lIns="91440" tIns="45720" rIns="91440" bIns="45720" numCol="1" spcCol="0" rtlCol="0" fromWordArt="0" anchor="t" anchorCtr="0" forceAA="0" upright="0" compatLnSpc="0">
-            <a:spAutoFit/>
-          </a:bodyPr>
-          <a:p>
-            <a:pPr algn="l">
-              <a:defRPr/>
-            </a:pPr>
-            <a:r>
-              <a:rPr sz="3600" spc="565">
-                <a:ln w="19049">
-                  <a:solidFill>
-                    <a:srgbClr val="459591"/>
-                  </a:solidFill>
-                  <a:prstDash val="solid"/>
-                </a:ln>
-                <a:noFill/>
-                <a:latin typeface="Open Sans Extrabold"/>
-                <a:ea typeface="Open Sans Extrabold"/>
-                <a:cs typeface="Open Sans Extrabold"/>
-              </a:rPr>
-              <a:t>DESIGNING FONTS FOR </a:t>
-            </a:r>
-            <a:r>
-              <a:rPr sz="3600" spc="565">
-                <a:ln w="19049">
-                  <a:solidFill>
-                    <a:srgbClr val="459591"/>
-                  </a:solidFill>
-                  <a:prstDash val="solid"/>
-                </a:ln>
-                <a:noFill/>
-                <a:latin typeface="Open Sans Extrabold"/>
-                <a:ea typeface="Open Sans Extrabold"/>
-                <a:cs typeface="Open Sans Extrabold"/>
-              </a:rPr>
-              <a:t>IMPACT</a:t>
-            </a:r>
-            <a:endParaRPr sz="3600" spc="565">
-              <a:ln w="19049">
-                <a:solidFill>
-                  <a:srgbClr val="459591"/>
-                </a:solidFill>
-                <a:prstDash val="solid"/>
-              </a:ln>
-              <a:noFill/>
-              <a:latin typeface="Open Sans Extrabold"/>
-              <a:cs typeface="Open Sans Extrabold"/>
-            </a:endParaRPr>
-          </a:p>
-        </p:txBody>
-      </p:sp>
-      <p:sp>
-        <p:nvSpPr>
-          <p:cNvPr id="162053779" name=""/>
-          <p:cNvSpPr txBox="1"/>
-          <p:nvPr/>
-        </p:nvSpPr>
-        <p:spPr bwMode="auto">
-          <a:xfrm flipH="0" flipV="0">
-            <a:off x="895378" y="4730749"/>
-            <a:ext cx="10074074" cy="640440"/>
-          </a:xfrm>
-          <a:prstGeom prst="rect">
-            <a:avLst/>
-          </a:prstGeom>
-          <a:noFill/>
-        </p:spPr>
-        <p:txBody>
-          <a:bodyPr vertOverflow="overflow" horzOverflow="overflow" vert="horz" wrap="square" lIns="91440" tIns="45720" rIns="91440" bIns="45720" numCol="1" spcCol="0" rtlCol="0" fromWordArt="0" anchor="t" anchorCtr="0" forceAA="0" upright="0" compatLnSpc="0">
-            <a:spAutoFit/>
-          </a:bodyPr>
-          <a:p>
-            <a:pPr algn="l">
-              <a:defRPr/>
-            </a:pPr>
-            <a:r>
-              <a:rPr sz="3600" spc="565">
-                <a:solidFill>
-                  <a:srgbClr val="331E36"/>
-                </a:solidFill>
-                <a:latin typeface="Open Sans Light"/>
-                <a:ea typeface="Open Sans Light"/>
-                <a:cs typeface="Open Sans Light"/>
-              </a:rPr>
-              <a:t>Designing Fonts For </a:t>
-            </a:r>
-            <a:r>
-              <a:rPr sz="3600" spc="565">
-                <a:solidFill>
-                  <a:srgbClr val="331E36"/>
-                </a:solidFill>
-                <a:latin typeface="Open Sans Light"/>
-                <a:ea typeface="Open Sans Light"/>
-                <a:cs typeface="Open Sans Light"/>
-              </a:rPr>
-              <a:t>Impact</a:t>
-            </a:r>
-            <a:endParaRPr sz="3600" spc="565">
-              <a:solidFill>
-                <a:srgbClr val="331E36"/>
-              </a:solidFill>
-              <a:latin typeface="Open Sans Light"/>
-              <a:cs typeface="Open Sans Light"/>
-            </a:endParaRPr>
-          </a:p>
-        </p:txBody>
-      </p:sp>
-    </p:spTree>
-  </p:cSld>
-  <p:clrMapOvr>
-    <a:masterClrMapping/>
-  </p:clrMapOvr>
-  <mc:AlternateContent xmlns:mc="http://schemas.openxmlformats.org/markup-compatibility/2006">
-    <mc:Choice xmlns:p159="http://schemas.microsoft.com/office/powerpoint/2015/09/main" xmlns:p14="http://schemas.microsoft.com/office/powerpoint/2010/main" Requires="p159">
-      <p:transition p14:dur="2000" advClick="1"/>
-    </mc:Choice>
-    <mc:Fallback>
-      <p:transition advClick="1"/>
-    </mc:Fallback>
-  </mc:AlternateContent>
-</p:sld>
-</file>
-
-<file path=ppt/slides/slide5.xml><?xml version="1.0" encoding="utf-8"?>
 <p:sld xmlns:a="http://schemas.openxmlformats.org/drawingml/2006/main" xmlns:r="http://schemas.openxmlformats.org/officeDocument/2006/relationships" xmlns:p="http://schemas.openxmlformats.org/presentationml/2006/main" xmlns:m="http://schemas.openxmlformats.org/officeDocument/2006/math" xmlns:w="http://schemas.openxmlformats.org/wordprocessingml/2006/main" showMasterPhAnim="0" show="1">
   <p:cSld name="">
     <p:spTree>
